--- a/week6_pythonI/week6_python.pptx
+++ b/week6_pythonI/week6_python.pptx
@@ -211,7 +211,7 @@
           <a:p>
             <a:fld id="{56D77398-3147-2349-91B4-8DD464C64BCA}" type="datetimeFigureOut">
               <a:rPr lang="en-US" smtClean="0"/>
-              <a:t>10/3/23</a:t>
+              <a:t>10/1/24</a:t>
             </a:fld>
             <a:endParaRPr lang="en-US"/>
           </a:p>
@@ -793,7 +793,7 @@
           <a:p>
             <a:fld id="{CDDF0107-2D27-914A-9F22-DFB09E04F050}" type="datetimeFigureOut">
               <a:rPr lang="en-US" smtClean="0"/>
-              <a:t>10/3/23</a:t>
+              <a:t>10/1/24</a:t>
             </a:fld>
             <a:endParaRPr lang="en-US"/>
           </a:p>
@@ -991,7 +991,7 @@
           <a:p>
             <a:fld id="{CDDF0107-2D27-914A-9F22-DFB09E04F050}" type="datetimeFigureOut">
               <a:rPr lang="en-US" smtClean="0"/>
-              <a:t>10/3/23</a:t>
+              <a:t>10/1/24</a:t>
             </a:fld>
             <a:endParaRPr lang="en-US"/>
           </a:p>
@@ -1199,7 +1199,7 @@
           <a:p>
             <a:fld id="{CDDF0107-2D27-914A-9F22-DFB09E04F050}" type="datetimeFigureOut">
               <a:rPr lang="en-US" smtClean="0"/>
-              <a:t>10/3/23</a:t>
+              <a:t>10/1/24</a:t>
             </a:fld>
             <a:endParaRPr lang="en-US"/>
           </a:p>
@@ -1397,7 +1397,7 @@
           <a:p>
             <a:fld id="{CDDF0107-2D27-914A-9F22-DFB09E04F050}" type="datetimeFigureOut">
               <a:rPr lang="en-US" smtClean="0"/>
-              <a:t>10/3/23</a:t>
+              <a:t>10/1/24</a:t>
             </a:fld>
             <a:endParaRPr lang="en-US"/>
           </a:p>
@@ -1672,7 +1672,7 @@
           <a:p>
             <a:fld id="{CDDF0107-2D27-914A-9F22-DFB09E04F050}" type="datetimeFigureOut">
               <a:rPr lang="en-US" smtClean="0"/>
-              <a:t>10/3/23</a:t>
+              <a:t>10/1/24</a:t>
             </a:fld>
             <a:endParaRPr lang="en-US"/>
           </a:p>
@@ -1937,7 +1937,7 @@
           <a:p>
             <a:fld id="{CDDF0107-2D27-914A-9F22-DFB09E04F050}" type="datetimeFigureOut">
               <a:rPr lang="en-US" smtClean="0"/>
-              <a:t>10/3/23</a:t>
+              <a:t>10/1/24</a:t>
             </a:fld>
             <a:endParaRPr lang="en-US"/>
           </a:p>
@@ -2349,7 +2349,7 @@
           <a:p>
             <a:fld id="{CDDF0107-2D27-914A-9F22-DFB09E04F050}" type="datetimeFigureOut">
               <a:rPr lang="en-US" smtClean="0"/>
-              <a:t>10/3/23</a:t>
+              <a:t>10/1/24</a:t>
             </a:fld>
             <a:endParaRPr lang="en-US"/>
           </a:p>
@@ -2490,7 +2490,7 @@
           <a:p>
             <a:fld id="{CDDF0107-2D27-914A-9F22-DFB09E04F050}" type="datetimeFigureOut">
               <a:rPr lang="en-US" smtClean="0"/>
-              <a:t>10/3/23</a:t>
+              <a:t>10/1/24</a:t>
             </a:fld>
             <a:endParaRPr lang="en-US"/>
           </a:p>
@@ -2603,7 +2603,7 @@
           <a:p>
             <a:fld id="{CDDF0107-2D27-914A-9F22-DFB09E04F050}" type="datetimeFigureOut">
               <a:rPr lang="en-US" smtClean="0"/>
-              <a:t>10/3/23</a:t>
+              <a:t>10/1/24</a:t>
             </a:fld>
             <a:endParaRPr lang="en-US"/>
           </a:p>
@@ -2914,7 +2914,7 @@
           <a:p>
             <a:fld id="{CDDF0107-2D27-914A-9F22-DFB09E04F050}" type="datetimeFigureOut">
               <a:rPr lang="en-US" smtClean="0"/>
-              <a:t>10/3/23</a:t>
+              <a:t>10/1/24</a:t>
             </a:fld>
             <a:endParaRPr lang="en-US"/>
           </a:p>
@@ -3202,7 +3202,7 @@
           <a:p>
             <a:fld id="{CDDF0107-2D27-914A-9F22-DFB09E04F050}" type="datetimeFigureOut">
               <a:rPr lang="en-US" smtClean="0"/>
-              <a:t>10/3/23</a:t>
+              <a:t>10/1/24</a:t>
             </a:fld>
             <a:endParaRPr lang="en-US"/>
           </a:p>
@@ -3443,7 +3443,7 @@
           <a:p>
             <a:fld id="{CDDF0107-2D27-914A-9F22-DFB09E04F050}" type="datetimeFigureOut">
               <a:rPr lang="en-US" smtClean="0"/>
-              <a:t>10/3/23</a:t>
+              <a:t>10/1/24</a:t>
             </a:fld>
             <a:endParaRPr lang="en-US"/>
           </a:p>
@@ -5943,7 +5943,7 @@
         <p:spPr>
           <a:xfrm>
             <a:off x="496276" y="1002094"/>
-            <a:ext cx="11390924" cy="6355586"/>
+            <a:ext cx="11390924" cy="5678478"/>
           </a:xfrm>
           <a:prstGeom prst="rect">
             <a:avLst/>
@@ -5960,7 +5960,7 @@
               <a:rPr lang="en-US" sz="2300" b="1" dirty="0">
                 <a:latin typeface="Helvetica Light" panose="020B0403020202020204" pitchFamily="34" charset="0"/>
               </a:rPr>
-              <a:t>I.1-2 pager independent project description along with python3 assignment next week (by 10/19)</a:t>
+              <a:t>I.1-2 pager independent project description along with python3 assignment next week (by 10/15)</a:t>
             </a:r>
           </a:p>
           <a:p>
@@ -6023,19 +6023,7 @@
               <a:rPr lang="en-US" sz="2000" dirty="0">
                 <a:latin typeface="Helvetica Light" panose="020B0403020202020204" pitchFamily="34" charset="0"/>
               </a:rPr>
-              <a:t> tutorial or demo for a specific python module (package) that you have an interest in learning in more detail or applying in your future work (we will cover </a:t>
-            </a:r>
-            <a:r>
-              <a:rPr lang="en-US" sz="2000" dirty="0" err="1">
-                <a:latin typeface="Helvetica Light" panose="020B0403020202020204" pitchFamily="34" charset="0"/>
-              </a:rPr>
-              <a:t>Jupyter</a:t>
-            </a:r>
-            <a:r>
-              <a:rPr lang="en-US" sz="2000" dirty="0">
-                <a:latin typeface="Helvetica Light" panose="020B0403020202020204" pitchFamily="34" charset="0"/>
-              </a:rPr>
-              <a:t> and R markdown in detail during week of Nov. 15, syllabus modifications pending).</a:t>
+              <a:t> tutorial or demo for a specific python module (package) that you have an interest in learning in more detail or applying in your future work (we will cover R markdown in detail later in the semester, syllabus modifications pending).</a:t>
             </a:r>
           </a:p>
           <a:p>
@@ -6132,14 +6120,14 @@
               <a:rPr lang="en-US" sz="2400" b="1" dirty="0">
                 <a:latin typeface="Helvetica Light" panose="020B0403020202020204" pitchFamily="34" charset="0"/>
               </a:rPr>
-              <a:t>II. Assignments to have turned in by now: Unix 4 (bash script with for loop), Python1, Python2.</a:t>
-            </a:r>
-          </a:p>
-          <a:p>
-            <a:pPr marL="342900" indent="-342900">
-              <a:buFontTx/>
-              <a:buChar char="-"/>
-            </a:pPr>
+              <a:t>II. Assignments to have turned in by now: Unix 3 </a:t>
+            </a:r>
+            <a:r>
+              <a:rPr lang="en-US" sz="2400" b="1">
+                <a:latin typeface="Helvetica Light" panose="020B0403020202020204" pitchFamily="34" charset="0"/>
+              </a:rPr>
+              <a:t>and 4</a:t>
+            </a:r>
             <a:endParaRPr lang="en-US" sz="2000" dirty="0">
               <a:latin typeface="Helvetica Light" panose="020B0403020202020204" pitchFamily="34" charset="0"/>
             </a:endParaRPr>
